--- a/ietf124-draft-stone-spring-mpte-sr.pptx
+++ b/ietf124-draft-stone-spring-mpte-sr.pptx
@@ -126,7 +126,7 @@
 <file path=ppt/revisionInfo.xml><?xml version="1.0" encoding="utf-8"?>
 <p1510:revInfo xmlns:a="http://schemas.openxmlformats.org/drawingml/2006/main" xmlns:r="http://schemas.openxmlformats.org/officeDocument/2006/relationships" xmlns:p1510="http://schemas.microsoft.com/office/powerpoint/2015/10/main">
   <p1510:revLst>
-    <p1510:client id="{521932D7-8F01-0C4C-9D23-C768A1110EC5}" v="28" dt="2025-10-21T21:54:28.331"/>
+    <p1510:client id="{521932D7-8F01-0C4C-9D23-C768A1110EC5}" v="31" dt="2025-10-30T17:01:19.635"/>
   </p1510:revLst>
 </p1510:revInfo>
 </file>
@@ -136,7 +136,7 @@
   <pc:docChgLst>
     <pc:chgData name="Andrew Stone (Nokia)" userId="5e693d72-0831-418e-b3bc-937f682be9d6" providerId="ADAL" clId="{23AA7552-9185-5EEB-9431-C2796A246E54}"/>
     <pc:docChg chg="undo redo custSel addSld delSld modSld sldOrd">
-      <pc:chgData name="Andrew Stone (Nokia)" userId="5e693d72-0831-418e-b3bc-937f682be9d6" providerId="ADAL" clId="{23AA7552-9185-5EEB-9431-C2796A246E54}" dt="2025-10-29T16:30:09.904" v="3689" actId="20577"/>
+      <pc:chgData name="Andrew Stone (Nokia)" userId="5e693d72-0831-418e-b3bc-937f682be9d6" providerId="ADAL" clId="{23AA7552-9185-5EEB-9431-C2796A246E54}" dt="2025-10-30T17:01:19.634" v="3693"/>
       <pc:docMkLst>
         <pc:docMk/>
       </pc:docMkLst>
@@ -163,14 +163,22 @@
           </ac:spMkLst>
         </pc:spChg>
       </pc:sldChg>
-      <pc:sldChg chg="modSp mod">
-        <pc:chgData name="Andrew Stone (Nokia)" userId="5e693d72-0831-418e-b3bc-937f682be9d6" providerId="ADAL" clId="{23AA7552-9185-5EEB-9431-C2796A246E54}" dt="2025-10-21T22:01:36.410" v="3606" actId="20577"/>
+      <pc:sldChg chg="addSp modSp mod">
+        <pc:chgData name="Andrew Stone (Nokia)" userId="5e693d72-0831-418e-b3bc-937f682be9d6" providerId="ADAL" clId="{23AA7552-9185-5EEB-9431-C2796A246E54}" dt="2025-10-30T17:01:19.634" v="3693"/>
         <pc:sldMkLst>
           <pc:docMk/>
           <pc:sldMk cId="2754887948" sldId="260"/>
         </pc:sldMkLst>
+        <pc:spChg chg="add">
+          <ac:chgData name="Andrew Stone (Nokia)" userId="5e693d72-0831-418e-b3bc-937f682be9d6" providerId="ADAL" clId="{23AA7552-9185-5EEB-9431-C2796A246E54}" dt="2025-10-30T17:01:08.640" v="3692"/>
+          <ac:spMkLst>
+            <pc:docMk/>
+            <pc:sldMk cId="2754887948" sldId="260"/>
+            <ac:spMk id="4" creationId="{F1DBB9EC-9C01-070D-DAFF-C25D985DCFBC}"/>
+          </ac:spMkLst>
+        </pc:spChg>
         <pc:spChg chg="mod">
-          <ac:chgData name="Andrew Stone (Nokia)" userId="5e693d72-0831-418e-b3bc-937f682be9d6" providerId="ADAL" clId="{23AA7552-9185-5EEB-9431-C2796A246E54}" dt="2025-10-21T22:01:36.410" v="3606" actId="20577"/>
+          <ac:chgData name="Andrew Stone (Nokia)" userId="5e693d72-0831-418e-b3bc-937f682be9d6" providerId="ADAL" clId="{23AA7552-9185-5EEB-9431-C2796A246E54}" dt="2025-10-30T17:01:19.634" v="3693"/>
           <ac:spMkLst>
             <pc:docMk/>
             <pc:sldMk cId="2754887948" sldId="260"/>
@@ -586,7 +594,7 @@
           <a:p>
             <a:fld id="{01BC8E05-7B12-154C-9D4F-5CA98AA7EAAB}" type="datetimeFigureOut">
               <a:rPr lang="en-US" smtClean="0"/>
-              <a:t>10/29/25</a:t>
+              <a:t>10/30/25</a:t>
             </a:fld>
             <a:endParaRPr lang="en-US"/>
           </a:p>
@@ -1756,7 +1764,7 @@
           <a:p>
             <a:fld id="{330D5A65-6FA8-2140-AEF8-F0043B51BEFD}" type="datetime1">
               <a:rPr lang="en-CA" smtClean="0"/>
-              <a:t>2025-10-29</a:t>
+              <a:t>2025-10-30</a:t>
             </a:fld>
             <a:endParaRPr lang="en-US"/>
           </a:p>
@@ -1954,7 +1962,7 @@
           <a:p>
             <a:fld id="{3B833B90-B2CE-6541-9742-F010A895A027}" type="datetime1">
               <a:rPr lang="en-CA" smtClean="0"/>
-              <a:t>2025-10-29</a:t>
+              <a:t>2025-10-30</a:t>
             </a:fld>
             <a:endParaRPr lang="en-US"/>
           </a:p>
@@ -2162,7 +2170,7 @@
           <a:p>
             <a:fld id="{6D6A6ACA-1BFE-0647-8620-6A886CD4068C}" type="datetime1">
               <a:rPr lang="en-CA" smtClean="0"/>
-              <a:t>2025-10-29</a:t>
+              <a:t>2025-10-30</a:t>
             </a:fld>
             <a:endParaRPr lang="en-US"/>
           </a:p>
@@ -2360,7 +2368,7 @@
           <a:p>
             <a:fld id="{F131CC93-3697-8D48-BDEA-1F3CF20B5B07}" type="datetime1">
               <a:rPr lang="en-CA" smtClean="0"/>
-              <a:t>2025-10-29</a:t>
+              <a:t>2025-10-30</a:t>
             </a:fld>
             <a:endParaRPr lang="en-US"/>
           </a:p>
@@ -2635,7 +2643,7 @@
           <a:p>
             <a:fld id="{7E36481F-C136-B24D-8E8D-D1CBB612ECD8}" type="datetime1">
               <a:rPr lang="en-CA" smtClean="0"/>
-              <a:t>2025-10-29</a:t>
+              <a:t>2025-10-30</a:t>
             </a:fld>
             <a:endParaRPr lang="en-US"/>
           </a:p>
@@ -2900,7 +2908,7 @@
           <a:p>
             <a:fld id="{D7A8B5B4-6696-7A44-8ECB-1083A2530666}" type="datetime1">
               <a:rPr lang="en-CA" smtClean="0"/>
-              <a:t>2025-10-29</a:t>
+              <a:t>2025-10-30</a:t>
             </a:fld>
             <a:endParaRPr lang="en-US"/>
           </a:p>
@@ -3312,7 +3320,7 @@
           <a:p>
             <a:fld id="{47E111EA-2F92-3D49-B8CB-A14BCA938DC6}" type="datetime1">
               <a:rPr lang="en-CA" smtClean="0"/>
-              <a:t>2025-10-29</a:t>
+              <a:t>2025-10-30</a:t>
             </a:fld>
             <a:endParaRPr lang="en-US"/>
           </a:p>
@@ -3453,7 +3461,7 @@
           <a:p>
             <a:fld id="{BD4A797F-E294-6843-86CC-BDEB2749A06A}" type="datetime1">
               <a:rPr lang="en-CA" smtClean="0"/>
-              <a:t>2025-10-29</a:t>
+              <a:t>2025-10-30</a:t>
             </a:fld>
             <a:endParaRPr lang="en-US"/>
           </a:p>
@@ -3566,7 +3574,7 @@
           <a:p>
             <a:fld id="{AC4E3E37-777F-7543-9A81-4F3F097C7C9F}" type="datetime1">
               <a:rPr lang="en-CA" smtClean="0"/>
-              <a:t>2025-10-29</a:t>
+              <a:t>2025-10-30</a:t>
             </a:fld>
             <a:endParaRPr lang="en-US"/>
           </a:p>
@@ -3877,7 +3885,7 @@
           <a:p>
             <a:fld id="{03F4A878-4A25-C947-8C5F-29BC9B45B0F9}" type="datetime1">
               <a:rPr lang="en-CA" smtClean="0"/>
-              <a:t>2025-10-29</a:t>
+              <a:t>2025-10-30</a:t>
             </a:fld>
             <a:endParaRPr lang="en-US"/>
           </a:p>
@@ -4165,7 +4173,7 @@
           <a:p>
             <a:fld id="{9719E3C6-34F9-0A4B-8F37-22002078A4D7}" type="datetime1">
               <a:rPr lang="en-CA" smtClean="0"/>
-              <a:t>2025-10-29</a:t>
+              <a:t>2025-10-30</a:t>
             </a:fld>
             <a:endParaRPr lang="en-US"/>
           </a:p>
@@ -4406,7 +4414,7 @@
           <a:p>
             <a:fld id="{B5FC1E69-0748-E242-8799-5CC00B345A76}" type="datetime1">
               <a:rPr lang="en-CA" smtClean="0"/>
-              <a:t>2025-10-29</a:t>
+              <a:t>2025-10-30</a:t>
             </a:fld>
             <a:endParaRPr lang="en-US"/>
           </a:p>
@@ -14250,7 +14258,10 @@
               <a:rPr lang="en-US" dirty="0" err="1"/>
               <a:t>mpte</a:t>
             </a:r>
-            <a:endParaRPr lang="en-US" dirty="0"/>
+            <a:r>
+              <a:rPr lang="en-US" dirty="0"/>
+              <a:t>, draft-beeram-teas-yang-mpted-01</a:t>
+            </a:r>
           </a:p>
           <a:p>
             <a:pPr marL="800100" lvl="1" indent="-342900">
